--- a/.assets/framework.pptx
+++ b/.assets/framework.pptx
@@ -259,7 +259,7 @@
           <a:p>
             <a:fld id="{82CA82C2-005E-4DD8-8B91-BDA8B83E449C}" type="datetimeFigureOut">
               <a:rPr lang="zh-CN" altLang="en-US" smtClean="0"/>
-              <a:t>2022/8/26</a:t>
+              <a:t>2022/8/27</a:t>
             </a:fld>
             <a:endParaRPr lang="zh-CN" altLang="en-US"/>
           </a:p>
@@ -457,7 +457,7 @@
           <a:p>
             <a:fld id="{82CA82C2-005E-4DD8-8B91-BDA8B83E449C}" type="datetimeFigureOut">
               <a:rPr lang="zh-CN" altLang="en-US" smtClean="0"/>
-              <a:t>2022/8/26</a:t>
+              <a:t>2022/8/27</a:t>
             </a:fld>
             <a:endParaRPr lang="zh-CN" altLang="en-US"/>
           </a:p>
@@ -665,7 +665,7 @@
           <a:p>
             <a:fld id="{82CA82C2-005E-4DD8-8B91-BDA8B83E449C}" type="datetimeFigureOut">
               <a:rPr lang="zh-CN" altLang="en-US" smtClean="0"/>
-              <a:t>2022/8/26</a:t>
+              <a:t>2022/8/27</a:t>
             </a:fld>
             <a:endParaRPr lang="zh-CN" altLang="en-US"/>
           </a:p>
@@ -863,7 +863,7 @@
           <a:p>
             <a:fld id="{82CA82C2-005E-4DD8-8B91-BDA8B83E449C}" type="datetimeFigureOut">
               <a:rPr lang="zh-CN" altLang="en-US" smtClean="0"/>
-              <a:t>2022/8/26</a:t>
+              <a:t>2022/8/27</a:t>
             </a:fld>
             <a:endParaRPr lang="zh-CN" altLang="en-US"/>
           </a:p>
@@ -1138,7 +1138,7 @@
           <a:p>
             <a:fld id="{82CA82C2-005E-4DD8-8B91-BDA8B83E449C}" type="datetimeFigureOut">
               <a:rPr lang="zh-CN" altLang="en-US" smtClean="0"/>
-              <a:t>2022/8/26</a:t>
+              <a:t>2022/8/27</a:t>
             </a:fld>
             <a:endParaRPr lang="zh-CN" altLang="en-US"/>
           </a:p>
@@ -1403,7 +1403,7 @@
           <a:p>
             <a:fld id="{82CA82C2-005E-4DD8-8B91-BDA8B83E449C}" type="datetimeFigureOut">
               <a:rPr lang="zh-CN" altLang="en-US" smtClean="0"/>
-              <a:t>2022/8/26</a:t>
+              <a:t>2022/8/27</a:t>
             </a:fld>
             <a:endParaRPr lang="zh-CN" altLang="en-US"/>
           </a:p>
@@ -1815,7 +1815,7 @@
           <a:p>
             <a:fld id="{82CA82C2-005E-4DD8-8B91-BDA8B83E449C}" type="datetimeFigureOut">
               <a:rPr lang="zh-CN" altLang="en-US" smtClean="0"/>
-              <a:t>2022/8/26</a:t>
+              <a:t>2022/8/27</a:t>
             </a:fld>
             <a:endParaRPr lang="zh-CN" altLang="en-US"/>
           </a:p>
@@ -1956,7 +1956,7 @@
           <a:p>
             <a:fld id="{82CA82C2-005E-4DD8-8B91-BDA8B83E449C}" type="datetimeFigureOut">
               <a:rPr lang="zh-CN" altLang="en-US" smtClean="0"/>
-              <a:t>2022/8/26</a:t>
+              <a:t>2022/8/27</a:t>
             </a:fld>
             <a:endParaRPr lang="zh-CN" altLang="en-US"/>
           </a:p>
@@ -2069,7 +2069,7 @@
           <a:p>
             <a:fld id="{82CA82C2-005E-4DD8-8B91-BDA8B83E449C}" type="datetimeFigureOut">
               <a:rPr lang="zh-CN" altLang="en-US" smtClean="0"/>
-              <a:t>2022/8/26</a:t>
+              <a:t>2022/8/27</a:t>
             </a:fld>
             <a:endParaRPr lang="zh-CN" altLang="en-US"/>
           </a:p>
@@ -2380,7 +2380,7 @@
           <a:p>
             <a:fld id="{82CA82C2-005E-4DD8-8B91-BDA8B83E449C}" type="datetimeFigureOut">
               <a:rPr lang="zh-CN" altLang="en-US" smtClean="0"/>
-              <a:t>2022/8/26</a:t>
+              <a:t>2022/8/27</a:t>
             </a:fld>
             <a:endParaRPr lang="zh-CN" altLang="en-US"/>
           </a:p>
@@ -2668,7 +2668,7 @@
           <a:p>
             <a:fld id="{82CA82C2-005E-4DD8-8B91-BDA8B83E449C}" type="datetimeFigureOut">
               <a:rPr lang="zh-CN" altLang="en-US" smtClean="0"/>
-              <a:t>2022/8/26</a:t>
+              <a:t>2022/8/27</a:t>
             </a:fld>
             <a:endParaRPr lang="zh-CN" altLang="en-US"/>
           </a:p>
@@ -2909,7 +2909,7 @@
           <a:p>
             <a:fld id="{82CA82C2-005E-4DD8-8B91-BDA8B83E449C}" type="datetimeFigureOut">
               <a:rPr lang="zh-CN" altLang="en-US" smtClean="0"/>
-              <a:t>2022/8/26</a:t>
+              <a:t>2022/8/27</a:t>
             </a:fld>
             <a:endParaRPr lang="zh-CN" altLang="en-US"/>
           </a:p>
@@ -3328,10 +3328,10 @@
       </p:grpSpPr>
       <p:grpSp>
         <p:nvGrpSpPr>
-          <p:cNvPr id="31" name="组合 30">
-            <a:extLst>
-              <a:ext uri="{FF2B5EF4-FFF2-40B4-BE49-F238E27FC236}">
-                <a16:creationId xmlns:a16="http://schemas.microsoft.com/office/drawing/2014/main" id="{A5A59E16-1E07-5E9E-1F93-EE5F3C15E02D}"/>
+          <p:cNvPr id="3" name="组合 2">
+            <a:extLst>
+              <a:ext uri="{FF2B5EF4-FFF2-40B4-BE49-F238E27FC236}">
+                <a16:creationId xmlns:a16="http://schemas.microsoft.com/office/drawing/2014/main" id="{D9CE3AC9-FA8B-EAB1-FB8B-8F107C21D2A0}"/>
               </a:ext>
             </a:extLst>
           </p:cNvPr>
@@ -3340,10 +3340,10 @@
         </p:nvGrpSpPr>
         <p:grpSpPr>
           <a:xfrm>
-            <a:off x="1746250" y="1517650"/>
-            <a:ext cx="8065294" cy="3473450"/>
-            <a:chOff x="1746250" y="1517650"/>
-            <a:chExt cx="8065294" cy="3473450"/>
+            <a:off x="1746250" y="1435100"/>
+            <a:ext cx="8065294" cy="3556000"/>
+            <a:chOff x="1746250" y="1435100"/>
+            <a:chExt cx="8065294" cy="3556000"/>
           </a:xfrm>
         </p:grpSpPr>
         <p:sp>
@@ -3781,7 +3781,7 @@
           </p:nvSpPr>
           <p:spPr>
             <a:xfrm>
-              <a:off x="3586955" y="1517650"/>
+              <a:off x="3586955" y="1466850"/>
               <a:ext cx="6224589" cy="1625600"/>
             </a:xfrm>
             <a:prstGeom prst="roundRect">
@@ -3878,7 +3878,7 @@
           </p:nvSpPr>
           <p:spPr>
             <a:xfrm>
-              <a:off x="4121150" y="1619250"/>
+              <a:off x="4121150" y="1568450"/>
               <a:ext cx="2222500" cy="546100"/>
             </a:xfrm>
             <a:prstGeom prst="roundRect">
@@ -3932,7 +3932,7 @@
           </p:nvSpPr>
           <p:spPr>
             <a:xfrm>
-              <a:off x="6827838" y="1619250"/>
+              <a:off x="6827838" y="1568450"/>
               <a:ext cx="2222500" cy="546100"/>
             </a:xfrm>
             <a:prstGeom prst="roundRect">
@@ -3986,7 +3986,7 @@
           </p:nvSpPr>
           <p:spPr>
             <a:xfrm>
-              <a:off x="3695700" y="2311400"/>
+              <a:off x="3695700" y="2260600"/>
               <a:ext cx="1857375" cy="546100"/>
             </a:xfrm>
             <a:prstGeom prst="roundRect">
@@ -4040,7 +4040,7 @@
           </p:nvSpPr>
           <p:spPr>
             <a:xfrm>
-              <a:off x="5770563" y="2311400"/>
+              <a:off x="5770563" y="2260600"/>
               <a:ext cx="1857375" cy="546100"/>
             </a:xfrm>
             <a:prstGeom prst="roundRect">
@@ -4094,7 +4094,7 @@
           </p:nvSpPr>
           <p:spPr>
             <a:xfrm>
-              <a:off x="7845426" y="2311400"/>
+              <a:off x="7845426" y="2260600"/>
               <a:ext cx="1857375" cy="546100"/>
             </a:xfrm>
             <a:prstGeom prst="roundRect">
@@ -4148,8 +4148,8 @@
           </p:nvSpPr>
           <p:spPr>
             <a:xfrm>
-              <a:off x="1746250" y="2400300"/>
-              <a:ext cx="1651596" cy="2590800"/>
+              <a:off x="1746250" y="2673350"/>
+              <a:ext cx="1651596" cy="2317750"/>
             </a:xfrm>
             <a:prstGeom prst="roundRect">
               <a:avLst/>
@@ -4231,14 +4231,6 @@
             </a:p>
             <a:p>
               <a:pPr algn="ctr"/>
-              <a:endParaRPr lang="en-US" altLang="zh-CN" dirty="0">
-                <a:solidFill>
-                  <a:schemeClr val="tx1"/>
-                </a:solidFill>
-              </a:endParaRPr>
-            </a:p>
-            <a:p>
-              <a:pPr algn="ctr"/>
               <a:r>
                 <a:rPr lang="en-US" altLang="zh-CN" dirty="0">
                   <a:solidFill>
@@ -4269,7 +4261,7 @@
           </p:nvSpPr>
           <p:spPr>
             <a:xfrm>
-              <a:off x="1787723" y="3873500"/>
+              <a:off x="1787723" y="4114800"/>
               <a:ext cx="1557138" cy="546100"/>
             </a:xfrm>
             <a:prstGeom prst="roundRect">
@@ -4323,7 +4315,7 @@
           </p:nvSpPr>
           <p:spPr>
             <a:xfrm>
-              <a:off x="1787723" y="3225800"/>
+              <a:off x="1787723" y="3467100"/>
               <a:ext cx="1557138" cy="546100"/>
             </a:xfrm>
             <a:prstGeom prst="roundRect">
@@ -4377,7 +4369,7 @@
           </p:nvSpPr>
           <p:spPr>
             <a:xfrm>
-              <a:off x="1787723" y="2578100"/>
+              <a:off x="1787723" y="2819400"/>
               <a:ext cx="1557138" cy="546100"/>
             </a:xfrm>
             <a:prstGeom prst="roundRect">
@@ -4431,7 +4423,7 @@
           </p:nvSpPr>
           <p:spPr>
             <a:xfrm>
-              <a:off x="1802806" y="1657350"/>
+              <a:off x="1787723" y="1435100"/>
               <a:ext cx="1557138" cy="546100"/>
             </a:xfrm>
             <a:prstGeom prst="roundRect">
@@ -4462,6 +4454,56 @@
               <a:r>
                 <a:rPr lang="en-US" altLang="zh-CN" dirty="0" err="1"/>
                 <a:t>SparkClient</a:t>
+              </a:r>
+              <a:endParaRPr lang="zh-CN" altLang="en-US" dirty="0"/>
+            </a:p>
+          </p:txBody>
+        </p:sp>
+        <p:sp>
+          <p:nvSpPr>
+            <p:cNvPr id="2" name="矩形: 圆角 1">
+              <a:extLst>
+                <a:ext uri="{FF2B5EF4-FFF2-40B4-BE49-F238E27FC236}">
+                  <a16:creationId xmlns:a16="http://schemas.microsoft.com/office/drawing/2014/main" id="{97B27D46-81CE-1F67-68B1-26249887918F}"/>
+                </a:ext>
+              </a:extLst>
+            </p:cNvPr>
+            <p:cNvSpPr/>
+            <p:nvPr/>
+          </p:nvSpPr>
+          <p:spPr>
+            <a:xfrm>
+              <a:off x="1795760" y="2057400"/>
+              <a:ext cx="1557138" cy="546100"/>
+            </a:xfrm>
+            <a:prstGeom prst="roundRect">
+              <a:avLst/>
+            </a:prstGeom>
+          </p:spPr>
+          <p:style>
+            <a:lnRef idx="2">
+              <a:schemeClr val="accent1">
+                <a:shade val="50000"/>
+              </a:schemeClr>
+            </a:lnRef>
+            <a:fillRef idx="1">
+              <a:schemeClr val="accent1"/>
+            </a:fillRef>
+            <a:effectRef idx="0">
+              <a:schemeClr val="accent1"/>
+            </a:effectRef>
+            <a:fontRef idx="minor">
+              <a:schemeClr val="lt1"/>
+            </a:fontRef>
+          </p:style>
+          <p:txBody>
+            <a:bodyPr rtlCol="0" anchor="ctr"/>
+            <a:lstStyle/>
+            <a:p>
+              <a:pPr algn="ctr"/>
+              <a:r>
+                <a:rPr lang="en-US" altLang="zh-CN" dirty="0" err="1"/>
+                <a:t>HistoryServer</a:t>
               </a:r>
               <a:endParaRPr lang="zh-CN" altLang="en-US" dirty="0"/>
             </a:p>
